--- a/Orb_Alt_Study/PM_5_Report/Code Flow.pptx
+++ b/Orb_Alt_Study/PM_5_Report/Code Flow.pptx
@@ -104,6 +104,11 @@
       </a:defRPr>
     </a:lvl9pPr>
   </p:defaultTextStyle>
+  <p:extLst>
+    <p:ext uri="{EFAFB233-063F-42B5-8137-9DF3F51BA10A}">
+      <p15:sldGuideLst xmlns:p15="http://schemas.microsoft.com/office/powerpoint/2012/main"/>
+    </p:ext>
+  </p:extLst>
 </p:presentation>
 </file>
 
@@ -256,7 +261,7 @@
           <a:p>
             <a:fld id="{C4893011-8903-4D52-B0B4-BDAECEF357FD}" type="datetimeFigureOut">
               <a:rPr lang="en-SG" smtClean="0"/>
-              <a:t>20/7/2020</a:t>
+              <a:t>29/7/2020</a:t>
             </a:fld>
             <a:endParaRPr lang="en-SG"/>
           </a:p>
@@ -456,7 +461,7 @@
           <a:p>
             <a:fld id="{C4893011-8903-4D52-B0B4-BDAECEF357FD}" type="datetimeFigureOut">
               <a:rPr lang="en-SG" smtClean="0"/>
-              <a:t>20/7/2020</a:t>
+              <a:t>29/7/2020</a:t>
             </a:fld>
             <a:endParaRPr lang="en-SG"/>
           </a:p>
@@ -666,7 +671,7 @@
           <a:p>
             <a:fld id="{C4893011-8903-4D52-B0B4-BDAECEF357FD}" type="datetimeFigureOut">
               <a:rPr lang="en-SG" smtClean="0"/>
-              <a:t>20/7/2020</a:t>
+              <a:t>29/7/2020</a:t>
             </a:fld>
             <a:endParaRPr lang="en-SG"/>
           </a:p>
@@ -866,7 +871,7 @@
           <a:p>
             <a:fld id="{C4893011-8903-4D52-B0B4-BDAECEF357FD}" type="datetimeFigureOut">
               <a:rPr lang="en-SG" smtClean="0"/>
-              <a:t>20/7/2020</a:t>
+              <a:t>29/7/2020</a:t>
             </a:fld>
             <a:endParaRPr lang="en-SG"/>
           </a:p>
@@ -1142,7 +1147,7 @@
           <a:p>
             <a:fld id="{C4893011-8903-4D52-B0B4-BDAECEF357FD}" type="datetimeFigureOut">
               <a:rPr lang="en-SG" smtClean="0"/>
-              <a:t>20/7/2020</a:t>
+              <a:t>29/7/2020</a:t>
             </a:fld>
             <a:endParaRPr lang="en-SG"/>
           </a:p>
@@ -1410,7 +1415,7 @@
           <a:p>
             <a:fld id="{C4893011-8903-4D52-B0B4-BDAECEF357FD}" type="datetimeFigureOut">
               <a:rPr lang="en-SG" smtClean="0"/>
-              <a:t>20/7/2020</a:t>
+              <a:t>29/7/2020</a:t>
             </a:fld>
             <a:endParaRPr lang="en-SG"/>
           </a:p>
@@ -1825,7 +1830,7 @@
           <a:p>
             <a:fld id="{C4893011-8903-4D52-B0B4-BDAECEF357FD}" type="datetimeFigureOut">
               <a:rPr lang="en-SG" smtClean="0"/>
-              <a:t>20/7/2020</a:t>
+              <a:t>29/7/2020</a:t>
             </a:fld>
             <a:endParaRPr lang="en-SG"/>
           </a:p>
@@ -1967,7 +1972,7 @@
           <a:p>
             <a:fld id="{C4893011-8903-4D52-B0B4-BDAECEF357FD}" type="datetimeFigureOut">
               <a:rPr lang="en-SG" smtClean="0"/>
-              <a:t>20/7/2020</a:t>
+              <a:t>29/7/2020</a:t>
             </a:fld>
             <a:endParaRPr lang="en-SG"/>
           </a:p>
@@ -2080,7 +2085,7 @@
           <a:p>
             <a:fld id="{C4893011-8903-4D52-B0B4-BDAECEF357FD}" type="datetimeFigureOut">
               <a:rPr lang="en-SG" smtClean="0"/>
-              <a:t>20/7/2020</a:t>
+              <a:t>29/7/2020</a:t>
             </a:fld>
             <a:endParaRPr lang="en-SG"/>
           </a:p>
@@ -2393,7 +2398,7 @@
           <a:p>
             <a:fld id="{C4893011-8903-4D52-B0B4-BDAECEF357FD}" type="datetimeFigureOut">
               <a:rPr lang="en-SG" smtClean="0"/>
-              <a:t>20/7/2020</a:t>
+              <a:t>29/7/2020</a:t>
             </a:fld>
             <a:endParaRPr lang="en-SG"/>
           </a:p>
@@ -2682,7 +2687,7 @@
           <a:p>
             <a:fld id="{C4893011-8903-4D52-B0B4-BDAECEF357FD}" type="datetimeFigureOut">
               <a:rPr lang="en-SG" smtClean="0"/>
-              <a:t>20/7/2020</a:t>
+              <a:t>29/7/2020</a:t>
             </a:fld>
             <a:endParaRPr lang="en-SG"/>
           </a:p>
@@ -2925,7 +2930,7 @@
           <a:p>
             <a:fld id="{C4893011-8903-4D52-B0B4-BDAECEF357FD}" type="datetimeFigureOut">
               <a:rPr lang="en-SG" smtClean="0"/>
-              <a:t>20/7/2020</a:t>
+              <a:t>29/7/2020</a:t>
             </a:fld>
             <a:endParaRPr lang="en-SG"/>
           </a:p>
@@ -3344,10 +3349,10 @@
       </p:grpSpPr>
       <p:sp>
         <p:nvSpPr>
-          <p:cNvPr id="4" name="TextBox 3">
-            <a:extLst>
-              <a:ext uri="{FF2B5EF4-FFF2-40B4-BE49-F238E27FC236}">
-                <a16:creationId xmlns:a16="http://schemas.microsoft.com/office/drawing/2014/main" id="{E20F90EB-1B10-4DBB-BA3F-1451616C43C2}"/>
+          <p:cNvPr id="6" name="TextBox 5">
+            <a:extLst>
+              <a:ext uri="{FF2B5EF4-FFF2-40B4-BE49-F238E27FC236}">
+                <a16:creationId xmlns:a16="http://schemas.microsoft.com/office/drawing/2014/main" id="{51FA6ACF-6BD6-47FA-BD13-A91F1450BB85}"/>
               </a:ext>
             </a:extLst>
           </p:cNvPr>
@@ -3356,8 +3361,8 @@
         </p:nvSpPr>
         <p:spPr>
           <a:xfrm>
-            <a:off x="6105238" y="3503911"/>
-            <a:ext cx="3551380" cy="369332"/>
+            <a:off x="2240189" y="148761"/>
+            <a:ext cx="1914554" cy="1015663"/>
           </a:xfrm>
           <a:prstGeom prst="rect">
             <a:avLst/>
@@ -3377,17 +3382,35 @@
           <a:p>
             <a:r>
               <a:rPr lang="en-SG" dirty="0"/>
-              <a:t>Check if Eb/No acceptable</a:t>
-            </a:r>
-          </a:p>
-        </p:txBody>
-      </p:sp>
-      <p:sp>
-        <p:nvSpPr>
-          <p:cNvPr id="6" name="TextBox 5">
-            <a:extLst>
-              <a:ext uri="{FF2B5EF4-FFF2-40B4-BE49-F238E27FC236}">
-                <a16:creationId xmlns:a16="http://schemas.microsoft.com/office/drawing/2014/main" id="{51FA6ACF-6BD6-47FA-BD13-A91F1450BB85}"/>
+              <a:t>Link geometry </a:t>
+            </a:r>
+          </a:p>
+          <a:p>
+            <a:r>
+              <a:rPr lang="en-SG" sz="1400" dirty="0"/>
+              <a:t>- Distance</a:t>
+            </a:r>
+          </a:p>
+          <a:p>
+            <a:r>
+              <a:rPr lang="en-SG" sz="1400" dirty="0"/>
+              <a:t>- Elevation</a:t>
+            </a:r>
+          </a:p>
+          <a:p>
+            <a:r>
+              <a:rPr lang="en-SG" sz="1400" dirty="0"/>
+              <a:t>- Atmospheric paths</a:t>
+            </a:r>
+          </a:p>
+        </p:txBody>
+      </p:sp>
+      <p:sp>
+        <p:nvSpPr>
+          <p:cNvPr id="7" name="TextBox 6">
+            <a:extLst>
+              <a:ext uri="{FF2B5EF4-FFF2-40B4-BE49-F238E27FC236}">
+                <a16:creationId xmlns:a16="http://schemas.microsoft.com/office/drawing/2014/main" id="{B4252C6F-7445-4950-9B7B-F3F5B805AE2D}"/>
               </a:ext>
             </a:extLst>
           </p:cNvPr>
@@ -3396,8 +3419,8 @@
         </p:nvSpPr>
         <p:spPr>
           <a:xfrm>
-            <a:off x="1592118" y="706650"/>
-            <a:ext cx="3530600" cy="1015663"/>
+            <a:off x="4409784" y="162939"/>
+            <a:ext cx="2501099" cy="1231106"/>
           </a:xfrm>
           <a:prstGeom prst="rect">
             <a:avLst/>
@@ -3417,47 +3440,41 @@
           <a:p>
             <a:r>
               <a:rPr lang="en-SG" dirty="0"/>
-              <a:t>Link geometry calculation</a:t>
-            </a:r>
-          </a:p>
-          <a:p>
-            <a:pPr marL="285750" indent="-285750">
-              <a:buFont typeface="Arial" panose="020B0604020202020204" pitchFamily="34" charset="0"/>
-              <a:buChar char="•"/>
-            </a:pPr>
+              <a:t>Link Budget</a:t>
+            </a:r>
+          </a:p>
+          <a:p>
             <a:r>
               <a:rPr lang="en-SG" sz="1400" dirty="0"/>
-              <a:t>Distance</a:t>
-            </a:r>
-          </a:p>
-          <a:p>
-            <a:pPr marL="285750" indent="-285750">
-              <a:buFont typeface="Arial" panose="020B0604020202020204" pitchFamily="34" charset="0"/>
-              <a:buChar char="•"/>
-            </a:pPr>
+              <a:t>- Path loss</a:t>
+            </a:r>
+          </a:p>
+          <a:p>
             <a:r>
               <a:rPr lang="en-SG" sz="1400" dirty="0"/>
-              <a:t>Elevation</a:t>
-            </a:r>
-          </a:p>
-          <a:p>
-            <a:pPr marL="285750" indent="-285750">
-              <a:buFont typeface="Arial" panose="020B0604020202020204" pitchFamily="34" charset="0"/>
-              <a:buChar char="•"/>
-            </a:pPr>
+              <a:t>- Atmospheric loss</a:t>
+            </a:r>
+          </a:p>
+          <a:p>
             <a:r>
               <a:rPr lang="en-SG" sz="1400" dirty="0"/>
-              <a:t>Atmospheric path lengths</a:t>
-            </a:r>
-          </a:p>
-        </p:txBody>
-      </p:sp>
-      <p:sp>
-        <p:nvSpPr>
-          <p:cNvPr id="7" name="TextBox 6">
-            <a:extLst>
-              <a:ext uri="{FF2B5EF4-FFF2-40B4-BE49-F238E27FC236}">
-                <a16:creationId xmlns:a16="http://schemas.microsoft.com/office/drawing/2014/main" id="{B4252C6F-7445-4950-9B7B-F3F5B805AE2D}"/>
+              <a:t>- Pointing and steering losses</a:t>
+            </a:r>
+          </a:p>
+          <a:p>
+            <a:r>
+              <a:rPr lang="en-SG" sz="1400" dirty="0"/>
+              <a:t>- Effective noise temperature</a:t>
+            </a:r>
+          </a:p>
+        </p:txBody>
+      </p:sp>
+      <p:sp>
+        <p:nvSpPr>
+          <p:cNvPr id="8" name="TextBox 7">
+            <a:extLst>
+              <a:ext uri="{FF2B5EF4-FFF2-40B4-BE49-F238E27FC236}">
+                <a16:creationId xmlns:a16="http://schemas.microsoft.com/office/drawing/2014/main" id="{A793C73E-88DF-44A7-998A-B1824E628ADD}"/>
               </a:ext>
             </a:extLst>
           </p:cNvPr>
@@ -3466,8 +3483,8 @@
         </p:nvSpPr>
         <p:spPr>
           <a:xfrm>
-            <a:off x="1592118" y="1899739"/>
-            <a:ext cx="3530599" cy="1231106"/>
+            <a:off x="7165925" y="163202"/>
+            <a:ext cx="2313356" cy="584775"/>
           </a:xfrm>
           <a:prstGeom prst="rect">
             <a:avLst/>
@@ -3487,57 +3504,23 @@
           <a:p>
             <a:r>
               <a:rPr lang="en-SG" dirty="0"/>
-              <a:t>Link Budget</a:t>
-            </a:r>
-          </a:p>
-          <a:p>
-            <a:pPr marL="285750" indent="-285750">
-              <a:buFont typeface="Arial" panose="020B0604020202020204" pitchFamily="34" charset="0"/>
-              <a:buChar char="•"/>
-            </a:pPr>
+              <a:t>Convert CNR to Eb/No</a:t>
+            </a:r>
+          </a:p>
+          <a:p>
             <a:r>
               <a:rPr lang="en-SG" sz="1400" dirty="0"/>
-              <a:t>Path loss</a:t>
-            </a:r>
-          </a:p>
-          <a:p>
-            <a:pPr marL="285750" indent="-285750">
-              <a:buFont typeface="Arial" panose="020B0604020202020204" pitchFamily="34" charset="0"/>
-              <a:buChar char="•"/>
-            </a:pPr>
-            <a:r>
-              <a:rPr lang="en-SG" sz="1400" dirty="0"/>
-              <a:t>Atmospheric losses</a:t>
-            </a:r>
-          </a:p>
-          <a:p>
-            <a:pPr marL="285750" indent="-285750">
-              <a:buFont typeface="Arial" panose="020B0604020202020204" pitchFamily="34" charset="0"/>
-              <a:buChar char="•"/>
-            </a:pPr>
-            <a:r>
-              <a:rPr lang="en-SG" sz="1400" dirty="0"/>
-              <a:t>Antenna pointing and steering losses</a:t>
-            </a:r>
-          </a:p>
-          <a:p>
-            <a:pPr marL="285750" indent="-285750">
-              <a:buFont typeface="Arial" panose="020B0604020202020204" pitchFamily="34" charset="0"/>
-              <a:buChar char="•"/>
-            </a:pPr>
-            <a:r>
-              <a:rPr lang="en-SG" sz="1400" dirty="0"/>
-              <a:t>Effective noise temperature</a:t>
-            </a:r>
-          </a:p>
-        </p:txBody>
-      </p:sp>
-      <p:sp>
-        <p:nvSpPr>
-          <p:cNvPr id="8" name="TextBox 7">
-            <a:extLst>
-              <a:ext uri="{FF2B5EF4-FFF2-40B4-BE49-F238E27FC236}">
-                <a16:creationId xmlns:a16="http://schemas.microsoft.com/office/drawing/2014/main" id="{A793C73E-88DF-44A7-998A-B1824E628ADD}"/>
+              <a:t>- Assume maximum bit rate</a:t>
+            </a:r>
+          </a:p>
+        </p:txBody>
+      </p:sp>
+      <p:sp>
+        <p:nvSpPr>
+          <p:cNvPr id="17" name="TextBox 16">
+            <a:extLst>
+              <a:ext uri="{FF2B5EF4-FFF2-40B4-BE49-F238E27FC236}">
+                <a16:creationId xmlns:a16="http://schemas.microsoft.com/office/drawing/2014/main" id="{8F0FC402-5892-46B5-B792-B47B5F321E43}"/>
               </a:ext>
             </a:extLst>
           </p:cNvPr>
@@ -3546,8 +3529,8 @@
         </p:nvSpPr>
         <p:spPr>
           <a:xfrm>
-            <a:off x="1571337" y="3313600"/>
-            <a:ext cx="3551380" cy="584775"/>
+            <a:off x="237982" y="163953"/>
+            <a:ext cx="1745887" cy="830997"/>
           </a:xfrm>
           <a:prstGeom prst="rect">
             <a:avLst/>
@@ -3566,28 +3549,18 @@
           <a:lstStyle/>
           <a:p>
             <a:r>
-              <a:rPr lang="en-SG" dirty="0"/>
-              <a:t>Convert CNR to Eb/No</a:t>
-            </a:r>
-          </a:p>
-          <a:p>
-            <a:pPr marL="285750" indent="-285750">
-              <a:buFont typeface="Arial" panose="020B0604020202020204" pitchFamily="34" charset="0"/>
-              <a:buChar char="•"/>
-            </a:pPr>
-            <a:r>
-              <a:rPr lang="en-SG" sz="1400" dirty="0"/>
-              <a:t>Assume maximum hardware data rate</a:t>
-            </a:r>
-          </a:p>
-        </p:txBody>
-      </p:sp>
-      <p:sp>
-        <p:nvSpPr>
-          <p:cNvPr id="17" name="TextBox 16">
-            <a:extLst>
-              <a:ext uri="{FF2B5EF4-FFF2-40B4-BE49-F238E27FC236}">
-                <a16:creationId xmlns:a16="http://schemas.microsoft.com/office/drawing/2014/main" id="{8F0FC402-5892-46B5-B792-B47B5F321E43}"/>
+              <a:rPr lang="en-SG" sz="1600" dirty="0"/>
+              <a:t>Position of transmitter and receiver</a:t>
+            </a:r>
+          </a:p>
+        </p:txBody>
+      </p:sp>
+      <p:sp>
+        <p:nvSpPr>
+          <p:cNvPr id="18" name="TextBox 17">
+            <a:extLst>
+              <a:ext uri="{FF2B5EF4-FFF2-40B4-BE49-F238E27FC236}">
+                <a16:creationId xmlns:a16="http://schemas.microsoft.com/office/drawing/2014/main" id="{4B3BC794-18EB-40F6-8746-F8B9D3DB397F}"/>
               </a:ext>
             </a:extLst>
           </p:cNvPr>
@@ -3596,8 +3569,8 @@
         </p:nvSpPr>
         <p:spPr>
           <a:xfrm>
-            <a:off x="1592118" y="155596"/>
-            <a:ext cx="3530600" cy="369332"/>
+            <a:off x="9771338" y="1533410"/>
+            <a:ext cx="1209065" cy="646331"/>
           </a:xfrm>
           <a:prstGeom prst="rect">
             <a:avLst/>
@@ -3617,17 +3590,17 @@
           <a:p>
             <a:r>
               <a:rPr lang="en-SG" dirty="0"/>
-              <a:t>Position of transmitter and receiver</a:t>
-            </a:r>
-          </a:p>
-        </p:txBody>
-      </p:sp>
-      <p:sp>
-        <p:nvSpPr>
-          <p:cNvPr id="18" name="TextBox 17">
-            <a:extLst>
-              <a:ext uri="{FF2B5EF4-FFF2-40B4-BE49-F238E27FC236}">
-                <a16:creationId xmlns:a16="http://schemas.microsoft.com/office/drawing/2014/main" id="{4B3BC794-18EB-40F6-8746-F8B9D3DB397F}"/>
+              <a:t>Output data rate</a:t>
+            </a:r>
+          </a:p>
+        </p:txBody>
+      </p:sp>
+      <p:sp>
+        <p:nvSpPr>
+          <p:cNvPr id="19" name="TextBox 18">
+            <a:extLst>
+              <a:ext uri="{FF2B5EF4-FFF2-40B4-BE49-F238E27FC236}">
+                <a16:creationId xmlns:a16="http://schemas.microsoft.com/office/drawing/2014/main" id="{11C8780E-DE12-45A9-876E-B0F64BB4BAB9}"/>
               </a:ext>
             </a:extLst>
           </p:cNvPr>
@@ -3636,8 +3609,8 @@
         </p:nvSpPr>
         <p:spPr>
           <a:xfrm>
-            <a:off x="1571337" y="5120330"/>
-            <a:ext cx="3551380" cy="369332"/>
+            <a:off x="5744057" y="1532485"/>
+            <a:ext cx="1444675" cy="646331"/>
           </a:xfrm>
           <a:prstGeom prst="rect">
             <a:avLst/>
@@ -3657,17 +3630,17 @@
           <a:p>
             <a:r>
               <a:rPr lang="en-SG" dirty="0"/>
-              <a:t>Output instantaneous data rate</a:t>
-            </a:r>
-          </a:p>
-        </p:txBody>
-      </p:sp>
-      <p:sp>
-        <p:nvSpPr>
-          <p:cNvPr id="19" name="TextBox 18">
-            <a:extLst>
-              <a:ext uri="{FF2B5EF4-FFF2-40B4-BE49-F238E27FC236}">
-                <a16:creationId xmlns:a16="http://schemas.microsoft.com/office/drawing/2014/main" id="{11C8780E-DE12-45A9-876E-B0F64BB4BAB9}"/>
+              <a:t>Introduce coding</a:t>
+            </a:r>
+          </a:p>
+        </p:txBody>
+      </p:sp>
+      <p:sp>
+        <p:nvSpPr>
+          <p:cNvPr id="20" name="TextBox 19">
+            <a:extLst>
+              <a:ext uri="{FF2B5EF4-FFF2-40B4-BE49-F238E27FC236}">
+                <a16:creationId xmlns:a16="http://schemas.microsoft.com/office/drawing/2014/main" id="{B65D5907-2637-4D60-AE14-38B1D57CBAC7}"/>
               </a:ext>
             </a:extLst>
           </p:cNvPr>
@@ -3676,8 +3649,8 @@
         </p:nvSpPr>
         <p:spPr>
           <a:xfrm>
-            <a:off x="6096000" y="2901465"/>
-            <a:ext cx="3551380" cy="369332"/>
+            <a:off x="7588002" y="1532486"/>
+            <a:ext cx="1741868" cy="646331"/>
           </a:xfrm>
           <a:prstGeom prst="rect">
             <a:avLst/>
@@ -3697,17 +3670,17 @@
           <a:p>
             <a:r>
               <a:rPr lang="en-SG" dirty="0"/>
-              <a:t>Introduce coding</a:t>
-            </a:r>
-          </a:p>
-        </p:txBody>
-      </p:sp>
-      <p:sp>
-        <p:nvSpPr>
-          <p:cNvPr id="20" name="TextBox 19">
-            <a:extLst>
-              <a:ext uri="{FF2B5EF4-FFF2-40B4-BE49-F238E27FC236}">
-                <a16:creationId xmlns:a16="http://schemas.microsoft.com/office/drawing/2014/main" id="{B65D5907-2637-4D60-AE14-38B1D57CBAC7}"/>
+              <a:t>Check if Eb/No is acceptable</a:t>
+            </a:r>
+          </a:p>
+        </p:txBody>
+      </p:sp>
+      <p:sp>
+        <p:nvSpPr>
+          <p:cNvPr id="21" name="TextBox 20">
+            <a:extLst>
+              <a:ext uri="{FF2B5EF4-FFF2-40B4-BE49-F238E27FC236}">
+                <a16:creationId xmlns:a16="http://schemas.microsoft.com/office/drawing/2014/main" id="{417F70CD-E6D6-4ABA-8D93-4CD338CC0CE4}"/>
               </a:ext>
             </a:extLst>
           </p:cNvPr>
@@ -3716,8 +3689,8 @@
         </p:nvSpPr>
         <p:spPr>
           <a:xfrm>
-            <a:off x="1571337" y="4086932"/>
-            <a:ext cx="3551380" cy="369332"/>
+            <a:off x="2432136" y="1540598"/>
+            <a:ext cx="990741" cy="646331"/>
           </a:xfrm>
           <a:prstGeom prst="rect">
             <a:avLst/>
@@ -3737,17 +3710,17 @@
           <a:p>
             <a:r>
               <a:rPr lang="en-SG" dirty="0"/>
-              <a:t>Check if Eb/No acceptable</a:t>
-            </a:r>
-          </a:p>
-        </p:txBody>
-      </p:sp>
-      <p:sp>
-        <p:nvSpPr>
-          <p:cNvPr id="21" name="TextBox 20">
-            <a:extLst>
-              <a:ext uri="{FF2B5EF4-FFF2-40B4-BE49-F238E27FC236}">
-                <a16:creationId xmlns:a16="http://schemas.microsoft.com/office/drawing/2014/main" id="{417F70CD-E6D6-4ABA-8D93-4CD338CC0CE4}"/>
+              <a:t>Reduce bit rate</a:t>
+            </a:r>
+          </a:p>
+        </p:txBody>
+      </p:sp>
+      <p:sp>
+        <p:nvSpPr>
+          <p:cNvPr id="30" name="TextBox 29">
+            <a:extLst>
+              <a:ext uri="{FF2B5EF4-FFF2-40B4-BE49-F238E27FC236}">
+                <a16:creationId xmlns:a16="http://schemas.microsoft.com/office/drawing/2014/main" id="{222DBE1C-C0A8-478D-BC1D-20AE67AD2B9D}"/>
               </a:ext>
             </a:extLst>
           </p:cNvPr>
@@ -3756,56 +3729,120 @@
         </p:nvSpPr>
         <p:spPr>
           <a:xfrm>
-            <a:off x="6114477" y="4513214"/>
-            <a:ext cx="3551380" cy="369332"/>
+            <a:off x="9322304" y="1531648"/>
+            <a:ext cx="449034" cy="307777"/>
           </a:xfrm>
           <a:prstGeom prst="rect">
             <a:avLst/>
           </a:prstGeom>
           <a:noFill/>
-          <a:ln w="25400">
-            <a:solidFill>
-              <a:schemeClr val="tx1"/>
-            </a:solidFill>
-          </a:ln>
-        </p:spPr>
-        <p:txBody>
-          <a:bodyPr wrap="square" rtlCol="0">
+        </p:spPr>
+        <p:txBody>
+          <a:bodyPr wrap="none" rtlCol="0">
             <a:spAutoFit/>
           </a:bodyPr>
           <a:lstStyle/>
           <a:p>
             <a:r>
-              <a:rPr lang="en-SG" dirty="0"/>
-              <a:t>Reduce transmission bit rate</a:t>
+              <a:rPr lang="en-SG" sz="1400" b="1" dirty="0"/>
+              <a:t>YES</a:t>
+            </a:r>
+          </a:p>
+        </p:txBody>
+      </p:sp>
+      <p:sp>
+        <p:nvSpPr>
+          <p:cNvPr id="35" name="TextBox 34">
+            <a:extLst>
+              <a:ext uri="{FF2B5EF4-FFF2-40B4-BE49-F238E27FC236}">
+                <a16:creationId xmlns:a16="http://schemas.microsoft.com/office/drawing/2014/main" id="{D2273395-40DF-47F9-A5F7-D9D5C47A53C0}"/>
+              </a:ext>
+            </a:extLst>
+          </p:cNvPr>
+          <p:cNvSpPr txBox="1"/>
+          <p:nvPr/>
+        </p:nvSpPr>
+        <p:spPr>
+          <a:xfrm>
+            <a:off x="7169327" y="1526135"/>
+            <a:ext cx="425116" cy="307777"/>
+          </a:xfrm>
+          <a:prstGeom prst="rect">
+            <a:avLst/>
+          </a:prstGeom>
+          <a:noFill/>
+        </p:spPr>
+        <p:txBody>
+          <a:bodyPr wrap="none" rtlCol="0">
+            <a:spAutoFit/>
+          </a:bodyPr>
+          <a:lstStyle/>
+          <a:p>
+            <a:r>
+              <a:rPr lang="en-SG" sz="1400" b="1" dirty="0"/>
+              <a:t>NO</a:t>
+            </a:r>
+          </a:p>
+        </p:txBody>
+      </p:sp>
+      <p:sp>
+        <p:nvSpPr>
+          <p:cNvPr id="69" name="TextBox 68">
+            <a:extLst>
+              <a:ext uri="{FF2B5EF4-FFF2-40B4-BE49-F238E27FC236}">
+                <a16:creationId xmlns:a16="http://schemas.microsoft.com/office/drawing/2014/main" id="{644A3594-365D-4AD6-BE8F-9347CA399D4E}"/>
+              </a:ext>
+            </a:extLst>
+          </p:cNvPr>
+          <p:cNvSpPr txBox="1"/>
+          <p:nvPr/>
+        </p:nvSpPr>
+        <p:spPr>
+          <a:xfrm>
+            <a:off x="3392495" y="2493193"/>
+            <a:ext cx="449034" cy="307777"/>
+          </a:xfrm>
+          <a:prstGeom prst="rect">
+            <a:avLst/>
+          </a:prstGeom>
+          <a:noFill/>
+        </p:spPr>
+        <p:txBody>
+          <a:bodyPr wrap="none" rtlCol="0">
+            <a:spAutoFit/>
+          </a:bodyPr>
+          <a:lstStyle/>
+          <a:p>
+            <a:r>
+              <a:rPr lang="en-SG" sz="1400" b="1" dirty="0"/>
+              <a:t>YES</a:t>
             </a:r>
           </a:p>
         </p:txBody>
       </p:sp>
       <p:cxnSp>
         <p:nvCxnSpPr>
-          <p:cNvPr id="23" name="Straight Arrow Connector 22">
-            <a:extLst>
-              <a:ext uri="{FF2B5EF4-FFF2-40B4-BE49-F238E27FC236}">
-                <a16:creationId xmlns:a16="http://schemas.microsoft.com/office/drawing/2014/main" id="{CA2C2601-19BB-4D40-A193-B26AC170F9C3}"/>
+          <p:cNvPr id="51" name="Straight Arrow Connector 50">
+            <a:extLst>
+              <a:ext uri="{FF2B5EF4-FFF2-40B4-BE49-F238E27FC236}">
+                <a16:creationId xmlns:a16="http://schemas.microsoft.com/office/drawing/2014/main" id="{4AB3FC2D-9E16-43B4-BEA8-BBFCAF35BD84}"/>
               </a:ext>
             </a:extLst>
           </p:cNvPr>
           <p:cNvCxnSpPr>
-            <a:stCxn id="17" idx="2"/>
-            <a:endCxn id="6" idx="0"/>
+            <a:cxnSpLocks/>
           </p:cNvCxnSpPr>
           <p:nvPr/>
         </p:nvCxnSpPr>
         <p:spPr>
           <a:xfrm>
-            <a:off x="3357418" y="524928"/>
-            <a:ext cx="0" cy="181722"/>
+            <a:off x="1983869" y="693040"/>
+            <a:ext cx="256320" cy="0"/>
           </a:xfrm>
           <a:prstGeom prst="straightConnector1">
             <a:avLst/>
           </a:prstGeom>
-          <a:ln w="19050">
+          <a:ln w="25400">
             <a:solidFill>
               <a:schemeClr val="tx1"/>
             </a:solidFill>
@@ -3829,25 +3866,27 @@
       </p:cxnSp>
       <p:cxnSp>
         <p:nvCxnSpPr>
-          <p:cNvPr id="24" name="Straight Arrow Connector 23">
-            <a:extLst>
-              <a:ext uri="{FF2B5EF4-FFF2-40B4-BE49-F238E27FC236}">
-                <a16:creationId xmlns:a16="http://schemas.microsoft.com/office/drawing/2014/main" id="{FE372705-FE64-4B20-96E2-A5F569B954EC}"/>
-              </a:ext>
-            </a:extLst>
-          </p:cNvPr>
-          <p:cNvCxnSpPr/>
+          <p:cNvPr id="64" name="Straight Arrow Connector 63">
+            <a:extLst>
+              <a:ext uri="{FF2B5EF4-FFF2-40B4-BE49-F238E27FC236}">
+                <a16:creationId xmlns:a16="http://schemas.microsoft.com/office/drawing/2014/main" id="{62CF293C-307A-49FF-B3E6-A0AB126CB451}"/>
+              </a:ext>
+            </a:extLst>
+          </p:cNvPr>
+          <p:cNvCxnSpPr>
+            <a:cxnSpLocks/>
+          </p:cNvCxnSpPr>
           <p:nvPr/>
         </p:nvCxnSpPr>
         <p:spPr>
           <a:xfrm>
-            <a:off x="3337790" y="1722313"/>
-            <a:ext cx="0" cy="181722"/>
+            <a:off x="4153464" y="708788"/>
+            <a:ext cx="256320" cy="0"/>
           </a:xfrm>
           <a:prstGeom prst="straightConnector1">
             <a:avLst/>
           </a:prstGeom>
-          <a:ln w="19050">
+          <a:ln w="25400">
             <a:solidFill>
               <a:schemeClr val="tx1"/>
             </a:solidFill>
@@ -3871,25 +3910,27 @@
       </p:cxnSp>
       <p:cxnSp>
         <p:nvCxnSpPr>
-          <p:cNvPr id="25" name="Straight Arrow Connector 24">
-            <a:extLst>
-              <a:ext uri="{FF2B5EF4-FFF2-40B4-BE49-F238E27FC236}">
-                <a16:creationId xmlns:a16="http://schemas.microsoft.com/office/drawing/2014/main" id="{95D1A1FB-C8D5-4D16-AE80-FB0BD922A1A1}"/>
-              </a:ext>
-            </a:extLst>
-          </p:cNvPr>
-          <p:cNvCxnSpPr/>
+          <p:cNvPr id="65" name="Straight Arrow Connector 64">
+            <a:extLst>
+              <a:ext uri="{FF2B5EF4-FFF2-40B4-BE49-F238E27FC236}">
+                <a16:creationId xmlns:a16="http://schemas.microsoft.com/office/drawing/2014/main" id="{E2F87D2E-5A28-4D7B-9674-DB322A6866D6}"/>
+              </a:ext>
+            </a:extLst>
+          </p:cNvPr>
+          <p:cNvCxnSpPr>
+            <a:cxnSpLocks/>
+          </p:cNvCxnSpPr>
           <p:nvPr/>
         </p:nvCxnSpPr>
         <p:spPr>
           <a:xfrm>
-            <a:off x="3337790" y="3131878"/>
-            <a:ext cx="0" cy="181722"/>
+            <a:off x="6910883" y="656592"/>
+            <a:ext cx="256320" cy="0"/>
           </a:xfrm>
           <a:prstGeom prst="straightConnector1">
             <a:avLst/>
           </a:prstGeom>
-          <a:ln w="19050">
+          <a:ln w="25400">
             <a:solidFill>
               <a:schemeClr val="tx1"/>
             </a:solidFill>
@@ -3913,25 +3954,113 @@
       </p:cxnSp>
       <p:cxnSp>
         <p:nvCxnSpPr>
-          <p:cNvPr id="26" name="Straight Arrow Connector 25">
-            <a:extLst>
-              <a:ext uri="{FF2B5EF4-FFF2-40B4-BE49-F238E27FC236}">
-                <a16:creationId xmlns:a16="http://schemas.microsoft.com/office/drawing/2014/main" id="{FAEC3624-285A-4214-8C2A-A80416E360B2}"/>
-              </a:ext>
-            </a:extLst>
-          </p:cNvPr>
-          <p:cNvCxnSpPr/>
+          <p:cNvPr id="66" name="Straight Arrow Connector 65">
+            <a:extLst>
+              <a:ext uri="{FF2B5EF4-FFF2-40B4-BE49-F238E27FC236}">
+                <a16:creationId xmlns:a16="http://schemas.microsoft.com/office/drawing/2014/main" id="{F66B90DF-68C1-4C69-AC06-7DBFF9BC212A}"/>
+              </a:ext>
+            </a:extLst>
+          </p:cNvPr>
+          <p:cNvCxnSpPr>
+            <a:cxnSpLocks/>
+          </p:cNvCxnSpPr>
           <p:nvPr/>
         </p:nvCxnSpPr>
         <p:spPr>
           <a:xfrm>
-            <a:off x="3337790" y="3898375"/>
-            <a:ext cx="0" cy="181722"/>
+            <a:off x="8252848" y="747977"/>
+            <a:ext cx="0" cy="779157"/>
           </a:xfrm>
           <a:prstGeom prst="straightConnector1">
             <a:avLst/>
           </a:prstGeom>
-          <a:ln w="19050">
+          <a:ln w="25400">
+            <a:solidFill>
+              <a:schemeClr val="tx1"/>
+            </a:solidFill>
+            <a:tailEnd type="triangle" w="lg" len="lg"/>
+          </a:ln>
+        </p:spPr>
+        <p:style>
+          <a:lnRef idx="1">
+            <a:schemeClr val="accent1"/>
+          </a:lnRef>
+          <a:fillRef idx="0">
+            <a:schemeClr val="accent1"/>
+          </a:fillRef>
+          <a:effectRef idx="0">
+            <a:schemeClr val="accent1"/>
+          </a:effectRef>
+          <a:fontRef idx="minor">
+            <a:schemeClr val="tx1"/>
+          </a:fontRef>
+        </p:style>
+      </p:cxnSp>
+      <p:sp>
+        <p:nvSpPr>
+          <p:cNvPr id="71" name="TextBox 70">
+            <a:extLst>
+              <a:ext uri="{FF2B5EF4-FFF2-40B4-BE49-F238E27FC236}">
+                <a16:creationId xmlns:a16="http://schemas.microsoft.com/office/drawing/2014/main" id="{8EF58B93-951D-451F-81FF-3BDA29CF54B3}"/>
+              </a:ext>
+            </a:extLst>
+          </p:cNvPr>
+          <p:cNvSpPr txBox="1"/>
+          <p:nvPr/>
+        </p:nvSpPr>
+        <p:spPr>
+          <a:xfrm>
+            <a:off x="3796542" y="1533410"/>
+            <a:ext cx="1740987" cy="646331"/>
+          </a:xfrm>
+          <a:prstGeom prst="rect">
+            <a:avLst/>
+          </a:prstGeom>
+          <a:noFill/>
+          <a:ln w="25400">
+            <a:solidFill>
+              <a:schemeClr val="tx1"/>
+            </a:solidFill>
+          </a:ln>
+        </p:spPr>
+        <p:txBody>
+          <a:bodyPr wrap="square" rtlCol="0">
+            <a:spAutoFit/>
+          </a:bodyPr>
+          <a:lstStyle/>
+          <a:p>
+            <a:r>
+              <a:rPr lang="en-SG" dirty="0"/>
+              <a:t>Check if Eb/No is acceptable</a:t>
+            </a:r>
+          </a:p>
+        </p:txBody>
+      </p:sp>
+      <p:cxnSp>
+        <p:nvCxnSpPr>
+          <p:cNvPr id="73" name="Straight Arrow Connector 72">
+            <a:extLst>
+              <a:ext uri="{FF2B5EF4-FFF2-40B4-BE49-F238E27FC236}">
+                <a16:creationId xmlns:a16="http://schemas.microsoft.com/office/drawing/2014/main" id="{90C296D9-2C63-4FBB-AAE0-EF3534849537}"/>
+              </a:ext>
+            </a:extLst>
+          </p:cNvPr>
+          <p:cNvCxnSpPr>
+            <a:cxnSpLocks/>
+            <a:stCxn id="20" idx="3"/>
+            <a:endCxn id="18" idx="1"/>
+          </p:cNvCxnSpPr>
+          <p:nvPr/>
+        </p:nvCxnSpPr>
+        <p:spPr>
+          <a:xfrm>
+            <a:off x="9329870" y="1855652"/>
+            <a:ext cx="441468" cy="924"/>
+          </a:xfrm>
+          <a:prstGeom prst="straightConnector1">
+            <a:avLst/>
+          </a:prstGeom>
+          <a:ln w="25400">
             <a:solidFill>
               <a:schemeClr val="tx1"/>
             </a:solidFill>
@@ -3955,233 +4084,29 @@
       </p:cxnSp>
       <p:cxnSp>
         <p:nvCxnSpPr>
-          <p:cNvPr id="27" name="Straight Arrow Connector 26">
-            <a:extLst>
-              <a:ext uri="{FF2B5EF4-FFF2-40B4-BE49-F238E27FC236}">
-                <a16:creationId xmlns:a16="http://schemas.microsoft.com/office/drawing/2014/main" id="{C218BF53-B338-4095-8883-EDFCB0E0089A}"/>
+          <p:cNvPr id="74" name="Straight Arrow Connector 73">
+            <a:extLst>
+              <a:ext uri="{FF2B5EF4-FFF2-40B4-BE49-F238E27FC236}">
+                <a16:creationId xmlns:a16="http://schemas.microsoft.com/office/drawing/2014/main" id="{036AC305-9325-40D5-9027-FB3AB350EB9A}"/>
               </a:ext>
             </a:extLst>
           </p:cNvPr>
           <p:cNvCxnSpPr>
             <a:cxnSpLocks/>
-            <a:stCxn id="20" idx="2"/>
-            <a:endCxn id="18" idx="0"/>
+            <a:stCxn id="20" idx="1"/>
+            <a:endCxn id="19" idx="3"/>
           </p:cNvCxnSpPr>
           <p:nvPr/>
         </p:nvCxnSpPr>
         <p:spPr>
-          <a:xfrm>
-            <a:off x="3347027" y="4456264"/>
-            <a:ext cx="0" cy="664066"/>
+          <a:xfrm flipH="1" flipV="1">
+            <a:off x="7188732" y="1855651"/>
+            <a:ext cx="399270" cy="1"/>
           </a:xfrm>
           <a:prstGeom prst="straightConnector1">
             <a:avLst/>
           </a:prstGeom>
-          <a:ln w="19050">
-            <a:solidFill>
-              <a:schemeClr val="tx1"/>
-            </a:solidFill>
-            <a:tailEnd type="triangle" w="lg" len="lg"/>
-          </a:ln>
-        </p:spPr>
-        <p:style>
-          <a:lnRef idx="1">
-            <a:schemeClr val="accent1"/>
-          </a:lnRef>
-          <a:fillRef idx="0">
-            <a:schemeClr val="accent1"/>
-          </a:fillRef>
-          <a:effectRef idx="0">
-            <a:schemeClr val="accent1"/>
-          </a:effectRef>
-          <a:fontRef idx="minor">
-            <a:schemeClr val="tx1"/>
-          </a:fontRef>
-        </p:style>
-      </p:cxnSp>
-      <p:sp>
-        <p:nvSpPr>
-          <p:cNvPr id="30" name="TextBox 29">
-            <a:extLst>
-              <a:ext uri="{FF2B5EF4-FFF2-40B4-BE49-F238E27FC236}">
-                <a16:creationId xmlns:a16="http://schemas.microsoft.com/office/drawing/2014/main" id="{222DBE1C-C0A8-478D-BC1D-20AE67AD2B9D}"/>
-              </a:ext>
-            </a:extLst>
-          </p:cNvPr>
-          <p:cNvSpPr txBox="1"/>
-          <p:nvPr/>
-        </p:nvSpPr>
-        <p:spPr>
-          <a:xfrm>
-            <a:off x="3357417" y="4594072"/>
-            <a:ext cx="512641" cy="369332"/>
-          </a:xfrm>
-          <a:prstGeom prst="rect">
-            <a:avLst/>
-          </a:prstGeom>
-          <a:noFill/>
-        </p:spPr>
-        <p:txBody>
-          <a:bodyPr wrap="none" rtlCol="0">
-            <a:spAutoFit/>
-          </a:bodyPr>
-          <a:lstStyle/>
-          <a:p>
-            <a:r>
-              <a:rPr lang="en-SG" dirty="0"/>
-              <a:t>YES</a:t>
-            </a:r>
-          </a:p>
-        </p:txBody>
-      </p:sp>
-      <p:cxnSp>
-        <p:nvCxnSpPr>
-          <p:cNvPr id="32" name="Connector: Elbow 31">
-            <a:extLst>
-              <a:ext uri="{FF2B5EF4-FFF2-40B4-BE49-F238E27FC236}">
-                <a16:creationId xmlns:a16="http://schemas.microsoft.com/office/drawing/2014/main" id="{6C6FE474-787B-44F6-9536-784304514AEA}"/>
-              </a:ext>
-            </a:extLst>
-          </p:cNvPr>
-          <p:cNvCxnSpPr>
-            <a:cxnSpLocks/>
-            <a:stCxn id="20" idx="3"/>
-            <a:endCxn id="19" idx="1"/>
-          </p:cNvCxnSpPr>
-          <p:nvPr/>
-        </p:nvCxnSpPr>
-        <p:spPr>
-          <a:xfrm flipV="1">
-            <a:off x="5122717" y="3086131"/>
-            <a:ext cx="973283" cy="1185467"/>
-          </a:xfrm>
-          <a:prstGeom prst="bentConnector3">
-            <a:avLst>
-              <a:gd name="adj1" fmla="val 50000"/>
-            </a:avLst>
-          </a:prstGeom>
-          <a:ln w="19050">
-            <a:solidFill>
-              <a:schemeClr val="tx1"/>
-            </a:solidFill>
-            <a:tailEnd type="triangle" w="lg" len="lg"/>
-          </a:ln>
-        </p:spPr>
-        <p:style>
-          <a:lnRef idx="1">
-            <a:schemeClr val="accent1"/>
-          </a:lnRef>
-          <a:fillRef idx="0">
-            <a:schemeClr val="accent1"/>
-          </a:fillRef>
-          <a:effectRef idx="0">
-            <a:schemeClr val="accent1"/>
-          </a:effectRef>
-          <a:fontRef idx="minor">
-            <a:schemeClr val="tx1"/>
-          </a:fontRef>
-        </p:style>
-      </p:cxnSp>
-      <p:sp>
-        <p:nvSpPr>
-          <p:cNvPr id="34" name="TextBox 33">
-            <a:extLst>
-              <a:ext uri="{FF2B5EF4-FFF2-40B4-BE49-F238E27FC236}">
-                <a16:creationId xmlns:a16="http://schemas.microsoft.com/office/drawing/2014/main" id="{5DD22C45-1D7D-42A6-87CA-4958D6ED018E}"/>
-              </a:ext>
-            </a:extLst>
-          </p:cNvPr>
-          <p:cNvSpPr txBox="1"/>
-          <p:nvPr/>
-        </p:nvSpPr>
-        <p:spPr>
-          <a:xfrm>
-            <a:off x="6105238" y="5120330"/>
-            <a:ext cx="3551380" cy="369332"/>
-          </a:xfrm>
-          <a:prstGeom prst="rect">
-            <a:avLst/>
-          </a:prstGeom>
-          <a:noFill/>
           <a:ln w="25400">
-            <a:solidFill>
-              <a:schemeClr val="tx1"/>
-            </a:solidFill>
-          </a:ln>
-        </p:spPr>
-        <p:txBody>
-          <a:bodyPr wrap="square" rtlCol="0">
-            <a:spAutoFit/>
-          </a:bodyPr>
-          <a:lstStyle/>
-          <a:p>
-            <a:r>
-              <a:rPr lang="en-SG" dirty="0"/>
-              <a:t>Check if Eb/No acceptable</a:t>
-            </a:r>
-          </a:p>
-        </p:txBody>
-      </p:sp>
-      <p:sp>
-        <p:nvSpPr>
-          <p:cNvPr id="35" name="TextBox 34">
-            <a:extLst>
-              <a:ext uri="{FF2B5EF4-FFF2-40B4-BE49-F238E27FC236}">
-                <a16:creationId xmlns:a16="http://schemas.microsoft.com/office/drawing/2014/main" id="{D2273395-40DF-47F9-A5F7-D9D5C47A53C0}"/>
-              </a:ext>
-            </a:extLst>
-          </p:cNvPr>
-          <p:cNvSpPr txBox="1"/>
-          <p:nvPr/>
-        </p:nvSpPr>
-        <p:spPr>
-          <a:xfrm>
-            <a:off x="5113479" y="3955156"/>
-            <a:ext cx="486030" cy="369332"/>
-          </a:xfrm>
-          <a:prstGeom prst="rect">
-            <a:avLst/>
-          </a:prstGeom>
-          <a:noFill/>
-        </p:spPr>
-        <p:txBody>
-          <a:bodyPr wrap="none" rtlCol="0">
-            <a:spAutoFit/>
-          </a:bodyPr>
-          <a:lstStyle/>
-          <a:p>
-            <a:r>
-              <a:rPr lang="en-SG" dirty="0"/>
-              <a:t>NO</a:t>
-            </a:r>
-          </a:p>
-        </p:txBody>
-      </p:sp>
-      <p:cxnSp>
-        <p:nvCxnSpPr>
-          <p:cNvPr id="36" name="Straight Arrow Connector 35">
-            <a:extLst>
-              <a:ext uri="{FF2B5EF4-FFF2-40B4-BE49-F238E27FC236}">
-                <a16:creationId xmlns:a16="http://schemas.microsoft.com/office/drawing/2014/main" id="{2EC858AF-83DC-4C2F-9C4A-6A63D934BB44}"/>
-              </a:ext>
-            </a:extLst>
-          </p:cNvPr>
-          <p:cNvCxnSpPr>
-            <a:cxnSpLocks/>
-            <a:stCxn id="19" idx="2"/>
-            <a:endCxn id="4" idx="0"/>
-          </p:cNvCxnSpPr>
-          <p:nvPr/>
-        </p:nvCxnSpPr>
-        <p:spPr>
-          <a:xfrm>
-            <a:off x="7871690" y="3270797"/>
-            <a:ext cx="9238" cy="233114"/>
-          </a:xfrm>
-          <a:prstGeom prst="straightConnector1">
-            <a:avLst/>
-          </a:prstGeom>
-          <a:ln w="19050">
             <a:solidFill>
               <a:schemeClr val="tx1"/>
             </a:solidFill>
@@ -4205,29 +4130,196 @@
       </p:cxnSp>
       <p:cxnSp>
         <p:nvCxnSpPr>
-          <p:cNvPr id="40" name="Straight Arrow Connector 39">
-            <a:extLst>
-              <a:ext uri="{FF2B5EF4-FFF2-40B4-BE49-F238E27FC236}">
-                <a16:creationId xmlns:a16="http://schemas.microsoft.com/office/drawing/2014/main" id="{8BEE0B4B-E193-445D-A7BB-B287952EA8C4}"/>
+          <p:cNvPr id="80" name="Connector: Elbow 79">
+            <a:extLst>
+              <a:ext uri="{FF2B5EF4-FFF2-40B4-BE49-F238E27FC236}">
+                <a16:creationId xmlns:a16="http://schemas.microsoft.com/office/drawing/2014/main" id="{324D9E25-F583-4EEB-B377-AB250CBE5F74}"/>
               </a:ext>
             </a:extLst>
           </p:cNvPr>
           <p:cNvCxnSpPr>
             <a:cxnSpLocks/>
-            <a:stCxn id="4" idx="2"/>
-            <a:endCxn id="21" idx="0"/>
+            <a:stCxn id="71" idx="2"/>
+            <a:endCxn id="18" idx="2"/>
           </p:cNvCxnSpPr>
           <p:nvPr/>
         </p:nvCxnSpPr>
         <p:spPr>
+          <a:xfrm rot="16200000" flipH="1">
+            <a:off x="7521453" y="-674677"/>
+            <a:ext cx="12700" cy="5708835"/>
+          </a:xfrm>
+          <a:prstGeom prst="bentConnector3">
+            <a:avLst>
+              <a:gd name="adj1" fmla="val 3360000"/>
+            </a:avLst>
+          </a:prstGeom>
+          <a:ln w="25400">
+            <a:solidFill>
+              <a:schemeClr val="tx1"/>
+            </a:solidFill>
+            <a:tailEnd type="triangle" w="lg" len="lg"/>
+          </a:ln>
+        </p:spPr>
+        <p:style>
+          <a:lnRef idx="1">
+            <a:schemeClr val="accent1"/>
+          </a:lnRef>
+          <a:fillRef idx="0">
+            <a:schemeClr val="accent1"/>
+          </a:fillRef>
+          <a:effectRef idx="0">
+            <a:schemeClr val="accent1"/>
+          </a:effectRef>
+          <a:fontRef idx="minor">
+            <a:schemeClr val="tx1"/>
+          </a:fontRef>
+        </p:style>
+      </p:cxnSp>
+      <p:sp>
+        <p:nvSpPr>
+          <p:cNvPr id="87" name="TextBox 86">
+            <a:extLst>
+              <a:ext uri="{FF2B5EF4-FFF2-40B4-BE49-F238E27FC236}">
+                <a16:creationId xmlns:a16="http://schemas.microsoft.com/office/drawing/2014/main" id="{5CE04FD4-F5C1-4E13-A870-7F3390F47F85}"/>
+              </a:ext>
+            </a:extLst>
+          </p:cNvPr>
+          <p:cNvSpPr txBox="1"/>
+          <p:nvPr/>
+        </p:nvSpPr>
+        <p:spPr>
           <a:xfrm>
-            <a:off x="7880928" y="3873243"/>
-            <a:ext cx="9239" cy="639971"/>
+            <a:off x="400973" y="1558512"/>
+            <a:ext cx="1745887" cy="646331"/>
+          </a:xfrm>
+          <a:prstGeom prst="rect">
+            <a:avLst/>
+          </a:prstGeom>
+          <a:noFill/>
+          <a:ln w="25400">
+            <a:solidFill>
+              <a:schemeClr val="tx1"/>
+            </a:solidFill>
+          </a:ln>
+        </p:spPr>
+        <p:txBody>
+          <a:bodyPr wrap="square" rtlCol="0">
+            <a:spAutoFit/>
+          </a:bodyPr>
+          <a:lstStyle/>
+          <a:p>
+            <a:r>
+              <a:rPr lang="en-SG" dirty="0"/>
+              <a:t>Check if Eb/No is acceptable</a:t>
+            </a:r>
+          </a:p>
+        </p:txBody>
+      </p:sp>
+      <p:cxnSp>
+        <p:nvCxnSpPr>
+          <p:cNvPr id="92" name="Straight Arrow Connector 91">
+            <a:extLst>
+              <a:ext uri="{FF2B5EF4-FFF2-40B4-BE49-F238E27FC236}">
+                <a16:creationId xmlns:a16="http://schemas.microsoft.com/office/drawing/2014/main" id="{8956328C-B5C4-4FC9-8A3A-C8A3F938E7B8}"/>
+              </a:ext>
+            </a:extLst>
+          </p:cNvPr>
+          <p:cNvCxnSpPr>
+            <a:cxnSpLocks/>
+            <a:stCxn id="71" idx="1"/>
+            <a:endCxn id="21" idx="3"/>
+          </p:cNvCxnSpPr>
+          <p:nvPr/>
+        </p:nvCxnSpPr>
+        <p:spPr>
+          <a:xfrm flipH="1">
+            <a:off x="3422877" y="1856576"/>
+            <a:ext cx="373665" cy="7188"/>
           </a:xfrm>
           <a:prstGeom prst="straightConnector1">
             <a:avLst/>
           </a:prstGeom>
-          <a:ln w="19050">
+          <a:ln w="25400">
+            <a:solidFill>
+              <a:schemeClr val="tx1"/>
+            </a:solidFill>
+            <a:tailEnd type="triangle" w="lg" len="lg"/>
+          </a:ln>
+        </p:spPr>
+        <p:style>
+          <a:lnRef idx="1">
+            <a:schemeClr val="accent1"/>
+          </a:lnRef>
+          <a:fillRef idx="0">
+            <a:schemeClr val="accent1"/>
+          </a:fillRef>
+          <a:effectRef idx="0">
+            <a:schemeClr val="accent1"/>
+          </a:effectRef>
+          <a:fontRef idx="minor">
+            <a:schemeClr val="tx1"/>
+          </a:fontRef>
+        </p:style>
+      </p:cxnSp>
+      <p:sp>
+        <p:nvSpPr>
+          <p:cNvPr id="93" name="TextBox 92">
+            <a:extLst>
+              <a:ext uri="{FF2B5EF4-FFF2-40B4-BE49-F238E27FC236}">
+                <a16:creationId xmlns:a16="http://schemas.microsoft.com/office/drawing/2014/main" id="{64DACED6-3790-41EA-BE1E-3BE1D0E062B0}"/>
+              </a:ext>
+            </a:extLst>
+          </p:cNvPr>
+          <p:cNvSpPr txBox="1"/>
+          <p:nvPr/>
+        </p:nvSpPr>
+        <p:spPr>
+          <a:xfrm>
+            <a:off x="3392495" y="1540598"/>
+            <a:ext cx="425116" cy="307777"/>
+          </a:xfrm>
+          <a:prstGeom prst="rect">
+            <a:avLst/>
+          </a:prstGeom>
+          <a:noFill/>
+        </p:spPr>
+        <p:txBody>
+          <a:bodyPr wrap="none" rtlCol="0">
+            <a:spAutoFit/>
+          </a:bodyPr>
+          <a:lstStyle/>
+          <a:p>
+            <a:r>
+              <a:rPr lang="en-SG" sz="1400" b="1" dirty="0"/>
+              <a:t>NO</a:t>
+            </a:r>
+          </a:p>
+        </p:txBody>
+      </p:sp>
+      <p:cxnSp>
+        <p:nvCxnSpPr>
+          <p:cNvPr id="94" name="Straight Arrow Connector 93">
+            <a:extLst>
+              <a:ext uri="{FF2B5EF4-FFF2-40B4-BE49-F238E27FC236}">
+                <a16:creationId xmlns:a16="http://schemas.microsoft.com/office/drawing/2014/main" id="{F34EC31E-3BBD-4E45-A994-A8A58FF7115F}"/>
+              </a:ext>
+            </a:extLst>
+          </p:cNvPr>
+          <p:cNvCxnSpPr>
+            <a:cxnSpLocks/>
+          </p:cNvCxnSpPr>
+          <p:nvPr/>
+        </p:nvCxnSpPr>
+        <p:spPr>
+          <a:xfrm flipH="1" flipV="1">
+            <a:off x="2166140" y="1842340"/>
+            <a:ext cx="265996" cy="9226"/>
+          </a:xfrm>
+          <a:prstGeom prst="straightConnector1">
+            <a:avLst/>
+          </a:prstGeom>
+          <a:ln w="25400">
             <a:solidFill>
               <a:schemeClr val="tx1"/>
             </a:solidFill>
@@ -4251,227 +4343,31 @@
       </p:cxnSp>
       <p:cxnSp>
         <p:nvCxnSpPr>
-          <p:cNvPr id="61" name="Connector: Elbow 60">
-            <a:extLst>
-              <a:ext uri="{FF2B5EF4-FFF2-40B4-BE49-F238E27FC236}">
-                <a16:creationId xmlns:a16="http://schemas.microsoft.com/office/drawing/2014/main" id="{CF3F7346-1919-4E82-9EBB-06A5AC379C66}"/>
+          <p:cNvPr id="96" name="Connector: Elbow 95">
+            <a:extLst>
+              <a:ext uri="{FF2B5EF4-FFF2-40B4-BE49-F238E27FC236}">
+                <a16:creationId xmlns:a16="http://schemas.microsoft.com/office/drawing/2014/main" id="{F16BC19A-E013-47FA-AB74-221E6C4E8764}"/>
               </a:ext>
             </a:extLst>
           </p:cNvPr>
           <p:cNvCxnSpPr>
             <a:cxnSpLocks/>
-            <a:stCxn id="4" idx="1"/>
-            <a:endCxn id="18" idx="3"/>
+            <a:stCxn id="87" idx="2"/>
+            <a:endCxn id="21" idx="2"/>
           </p:cNvCxnSpPr>
           <p:nvPr/>
         </p:nvCxnSpPr>
         <p:spPr>
-          <a:xfrm rot="10800000" flipV="1">
-            <a:off x="5122718" y="3688576"/>
-            <a:ext cx="982521" cy="1616419"/>
+          <a:xfrm rot="5400000" flipH="1" flipV="1">
+            <a:off x="2091755" y="1369091"/>
+            <a:ext cx="17914" cy="1653590"/>
           </a:xfrm>
           <a:prstGeom prst="bentConnector3">
             <a:avLst>
-              <a:gd name="adj1" fmla="val 42480"/>
+              <a:gd name="adj1" fmla="val -1616389"/>
             </a:avLst>
           </a:prstGeom>
-          <a:ln w="19050">
-            <a:solidFill>
-              <a:schemeClr val="tx1"/>
-            </a:solidFill>
-            <a:tailEnd type="triangle" w="lg" len="lg"/>
-          </a:ln>
-        </p:spPr>
-        <p:style>
-          <a:lnRef idx="1">
-            <a:schemeClr val="accent1"/>
-          </a:lnRef>
-          <a:fillRef idx="0">
-            <a:schemeClr val="accent1"/>
-          </a:fillRef>
-          <a:effectRef idx="0">
-            <a:schemeClr val="accent1"/>
-          </a:effectRef>
-          <a:fontRef idx="minor">
-            <a:schemeClr val="tx1"/>
-          </a:fontRef>
-        </p:style>
-      </p:cxnSp>
-      <p:sp>
-        <p:nvSpPr>
-          <p:cNvPr id="69" name="TextBox 68">
-            <a:extLst>
-              <a:ext uri="{FF2B5EF4-FFF2-40B4-BE49-F238E27FC236}">
-                <a16:creationId xmlns:a16="http://schemas.microsoft.com/office/drawing/2014/main" id="{644A3594-365D-4AD6-BE8F-9347CA399D4E}"/>
-              </a:ext>
-            </a:extLst>
-          </p:cNvPr>
-          <p:cNvSpPr txBox="1"/>
-          <p:nvPr/>
-        </p:nvSpPr>
-        <p:spPr>
-          <a:xfrm>
-            <a:off x="5665320" y="3354089"/>
-            <a:ext cx="512641" cy="369332"/>
-          </a:xfrm>
-          <a:prstGeom prst="rect">
-            <a:avLst/>
-          </a:prstGeom>
-          <a:noFill/>
-        </p:spPr>
-        <p:txBody>
-          <a:bodyPr wrap="none" rtlCol="0">
-            <a:spAutoFit/>
-          </a:bodyPr>
-          <a:lstStyle/>
-          <a:p>
-            <a:r>
-              <a:rPr lang="en-SG" dirty="0"/>
-              <a:t>YES</a:t>
-            </a:r>
-          </a:p>
-        </p:txBody>
-      </p:sp>
-      <p:sp>
-        <p:nvSpPr>
-          <p:cNvPr id="70" name="TextBox 69">
-            <a:extLst>
-              <a:ext uri="{FF2B5EF4-FFF2-40B4-BE49-F238E27FC236}">
-                <a16:creationId xmlns:a16="http://schemas.microsoft.com/office/drawing/2014/main" id="{14B20ECB-DE58-4923-A228-2126ABFE4F77}"/>
-              </a:ext>
-            </a:extLst>
-          </p:cNvPr>
-          <p:cNvSpPr txBox="1"/>
-          <p:nvPr/>
-        </p:nvSpPr>
-        <p:spPr>
-          <a:xfrm>
-            <a:off x="7890165" y="3989236"/>
-            <a:ext cx="486030" cy="369332"/>
-          </a:xfrm>
-          <a:prstGeom prst="rect">
-            <a:avLst/>
-          </a:prstGeom>
-          <a:noFill/>
-        </p:spPr>
-        <p:txBody>
-          <a:bodyPr wrap="none" rtlCol="0">
-            <a:spAutoFit/>
-          </a:bodyPr>
-          <a:lstStyle/>
-          <a:p>
-            <a:r>
-              <a:rPr lang="en-SG" dirty="0"/>
-              <a:t>NO</a:t>
-            </a:r>
-          </a:p>
-        </p:txBody>
-      </p:sp>
-      <p:cxnSp>
-        <p:nvCxnSpPr>
-          <p:cNvPr id="72" name="Straight Arrow Connector 71">
-            <a:extLst>
-              <a:ext uri="{FF2B5EF4-FFF2-40B4-BE49-F238E27FC236}">
-                <a16:creationId xmlns:a16="http://schemas.microsoft.com/office/drawing/2014/main" id="{C4C637A1-54F7-43F1-AAF6-AAA9F4659FEF}"/>
-              </a:ext>
-            </a:extLst>
-          </p:cNvPr>
-          <p:cNvCxnSpPr>
-            <a:cxnSpLocks/>
-            <a:stCxn id="21" idx="2"/>
-            <a:endCxn id="34" idx="0"/>
-          </p:cNvCxnSpPr>
-          <p:nvPr/>
-        </p:nvCxnSpPr>
-        <p:spPr>
-          <a:xfrm flipH="1">
-            <a:off x="7880928" y="4882546"/>
-            <a:ext cx="9239" cy="237784"/>
-          </a:xfrm>
-          <a:prstGeom prst="straightConnector1">
-            <a:avLst/>
-          </a:prstGeom>
-          <a:ln w="19050">
-            <a:solidFill>
-              <a:schemeClr val="tx1"/>
-            </a:solidFill>
-            <a:tailEnd type="triangle" w="lg" len="lg"/>
-          </a:ln>
-        </p:spPr>
-        <p:style>
-          <a:lnRef idx="1">
-            <a:schemeClr val="accent1"/>
-          </a:lnRef>
-          <a:fillRef idx="0">
-            <a:schemeClr val="accent1"/>
-          </a:fillRef>
-          <a:effectRef idx="0">
-            <a:schemeClr val="accent1"/>
-          </a:effectRef>
-          <a:fontRef idx="minor">
-            <a:schemeClr val="tx1"/>
-          </a:fontRef>
-        </p:style>
-      </p:cxnSp>
-      <p:sp>
-        <p:nvSpPr>
-          <p:cNvPr id="79" name="TextBox 78">
-            <a:extLst>
-              <a:ext uri="{FF2B5EF4-FFF2-40B4-BE49-F238E27FC236}">
-                <a16:creationId xmlns:a16="http://schemas.microsoft.com/office/drawing/2014/main" id="{99B6D276-FFA2-4D02-B93B-E5807324CE7C}"/>
-              </a:ext>
-            </a:extLst>
-          </p:cNvPr>
-          <p:cNvSpPr txBox="1"/>
-          <p:nvPr/>
-        </p:nvSpPr>
-        <p:spPr>
-          <a:xfrm>
-            <a:off x="5654958" y="4906641"/>
-            <a:ext cx="512641" cy="369332"/>
-          </a:xfrm>
-          <a:prstGeom prst="rect">
-            <a:avLst/>
-          </a:prstGeom>
-          <a:noFill/>
-        </p:spPr>
-        <p:txBody>
-          <a:bodyPr wrap="none" rtlCol="0">
-            <a:spAutoFit/>
-          </a:bodyPr>
-          <a:lstStyle/>
-          <a:p>
-            <a:r>
-              <a:rPr lang="en-SG" dirty="0"/>
-              <a:t>YES</a:t>
-            </a:r>
-          </a:p>
-        </p:txBody>
-      </p:sp>
-      <p:cxnSp>
-        <p:nvCxnSpPr>
-          <p:cNvPr id="81" name="Straight Arrow Connector 80">
-            <a:extLst>
-              <a:ext uri="{FF2B5EF4-FFF2-40B4-BE49-F238E27FC236}">
-                <a16:creationId xmlns:a16="http://schemas.microsoft.com/office/drawing/2014/main" id="{E14637B8-FBC3-4ED9-8A7F-91D9A0C90E2A}"/>
-              </a:ext>
-            </a:extLst>
-          </p:cNvPr>
-          <p:cNvCxnSpPr>
-            <a:cxnSpLocks/>
-            <a:stCxn id="34" idx="1"/>
-          </p:cNvCxnSpPr>
-          <p:nvPr/>
-        </p:nvCxnSpPr>
-        <p:spPr>
-          <a:xfrm flipH="1">
-            <a:off x="5735782" y="5304996"/>
-            <a:ext cx="369456" cy="0"/>
-          </a:xfrm>
-          <a:prstGeom prst="straightConnector1">
-            <a:avLst/>
-          </a:prstGeom>
-          <a:ln w="19050">
+          <a:ln w="25400">
             <a:solidFill>
               <a:schemeClr val="tx1"/>
             </a:solidFill>
@@ -4495,31 +4391,31 @@
       </p:cxnSp>
       <p:cxnSp>
         <p:nvCxnSpPr>
-          <p:cNvPr id="86" name="Connector: Elbow 85">
-            <a:extLst>
-              <a:ext uri="{FF2B5EF4-FFF2-40B4-BE49-F238E27FC236}">
-                <a16:creationId xmlns:a16="http://schemas.microsoft.com/office/drawing/2014/main" id="{9273E9A5-FCEE-4891-863A-30EC180F86C4}"/>
+          <p:cNvPr id="103" name="Connector: Elbow 102">
+            <a:extLst>
+              <a:ext uri="{FF2B5EF4-FFF2-40B4-BE49-F238E27FC236}">
+                <a16:creationId xmlns:a16="http://schemas.microsoft.com/office/drawing/2014/main" id="{C48ACF86-910A-4422-9779-3D66C20264F5}"/>
               </a:ext>
             </a:extLst>
           </p:cNvPr>
           <p:cNvCxnSpPr>
             <a:cxnSpLocks/>
-            <a:stCxn id="34" idx="3"/>
-            <a:endCxn id="21" idx="3"/>
+            <a:stCxn id="87" idx="2"/>
+            <a:endCxn id="18" idx="2"/>
           </p:cNvCxnSpPr>
           <p:nvPr/>
         </p:nvCxnSpPr>
         <p:spPr>
-          <a:xfrm flipV="1">
-            <a:off x="9656618" y="4697880"/>
-            <a:ext cx="9239" cy="607116"/>
+          <a:xfrm rot="5400000" flipH="1" flipV="1">
+            <a:off x="5812343" y="-2358685"/>
+            <a:ext cx="25102" cy="9101954"/>
           </a:xfrm>
           <a:prstGeom prst="bentConnector3">
             <a:avLst>
-              <a:gd name="adj1" fmla="val 2574294"/>
+              <a:gd name="adj1" fmla="val -2246355"/>
             </a:avLst>
           </a:prstGeom>
-          <a:ln w="19050">
+          <a:ln w="25400">
             <a:solidFill>
               <a:schemeClr val="tx1"/>
             </a:solidFill>
@@ -4543,10 +4439,10 @@
       </p:cxnSp>
       <p:sp>
         <p:nvSpPr>
-          <p:cNvPr id="88" name="TextBox 87">
-            <a:extLst>
-              <a:ext uri="{FF2B5EF4-FFF2-40B4-BE49-F238E27FC236}">
-                <a16:creationId xmlns:a16="http://schemas.microsoft.com/office/drawing/2014/main" id="{ECA84708-0809-4EF2-A69C-81940FC7F233}"/>
+          <p:cNvPr id="110" name="TextBox 109">
+            <a:extLst>
+              <a:ext uri="{FF2B5EF4-FFF2-40B4-BE49-F238E27FC236}">
+                <a16:creationId xmlns:a16="http://schemas.microsoft.com/office/drawing/2014/main" id="{E93CC8B7-1824-48E7-8AC6-30AC2BB0F8F9}"/>
               </a:ext>
             </a:extLst>
           </p:cNvPr>
@@ -4555,8 +4451,8 @@
         </p:nvSpPr>
         <p:spPr>
           <a:xfrm>
-            <a:off x="9647380" y="4340596"/>
-            <a:ext cx="486030" cy="369332"/>
+            <a:off x="4667035" y="2319106"/>
+            <a:ext cx="449034" cy="307777"/>
           </a:xfrm>
           <a:prstGeom prst="rect">
             <a:avLst/>
@@ -4570,12 +4466,93 @@
           <a:lstStyle/>
           <a:p>
             <a:r>
-              <a:rPr lang="en-SG" dirty="0"/>
+              <a:rPr lang="en-SG" sz="1400" b="1" dirty="0"/>
+              <a:t>YES</a:t>
+            </a:r>
+          </a:p>
+        </p:txBody>
+      </p:sp>
+      <p:sp>
+        <p:nvSpPr>
+          <p:cNvPr id="113" name="TextBox 112">
+            <a:extLst>
+              <a:ext uri="{FF2B5EF4-FFF2-40B4-BE49-F238E27FC236}">
+                <a16:creationId xmlns:a16="http://schemas.microsoft.com/office/drawing/2014/main" id="{74528826-BC17-4829-9DF9-A2DA7419FF92}"/>
+              </a:ext>
+            </a:extLst>
+          </p:cNvPr>
+          <p:cNvSpPr txBox="1"/>
+          <p:nvPr/>
+        </p:nvSpPr>
+        <p:spPr>
+          <a:xfrm>
+            <a:off x="1847297" y="2209173"/>
+            <a:ext cx="425116" cy="307777"/>
+          </a:xfrm>
+          <a:prstGeom prst="rect">
+            <a:avLst/>
+          </a:prstGeom>
+          <a:noFill/>
+        </p:spPr>
+        <p:txBody>
+          <a:bodyPr wrap="none" rtlCol="0">
+            <a:spAutoFit/>
+          </a:bodyPr>
+          <a:lstStyle/>
+          <a:p>
+            <a:r>
+              <a:rPr lang="en-SG" sz="1400" b="1" dirty="0"/>
               <a:t>NO</a:t>
             </a:r>
           </a:p>
         </p:txBody>
       </p:sp>
+      <p:cxnSp>
+        <p:nvCxnSpPr>
+          <p:cNvPr id="67" name="Straight Arrow Connector 66">
+            <a:extLst>
+              <a:ext uri="{FF2B5EF4-FFF2-40B4-BE49-F238E27FC236}">
+                <a16:creationId xmlns:a16="http://schemas.microsoft.com/office/drawing/2014/main" id="{04394A57-E1D1-459B-8EF6-2A750DE120FD}"/>
+              </a:ext>
+            </a:extLst>
+          </p:cNvPr>
+          <p:cNvCxnSpPr>
+            <a:cxnSpLocks/>
+            <a:stCxn id="19" idx="1"/>
+            <a:endCxn id="71" idx="3"/>
+          </p:cNvCxnSpPr>
+          <p:nvPr/>
+        </p:nvCxnSpPr>
+        <p:spPr>
+          <a:xfrm flipH="1">
+            <a:off x="5537529" y="1855651"/>
+            <a:ext cx="206528" cy="925"/>
+          </a:xfrm>
+          <a:prstGeom prst="straightConnector1">
+            <a:avLst/>
+          </a:prstGeom>
+          <a:ln w="25400">
+            <a:solidFill>
+              <a:schemeClr val="tx1"/>
+            </a:solidFill>
+            <a:tailEnd type="triangle" w="lg" len="lg"/>
+          </a:ln>
+        </p:spPr>
+        <p:style>
+          <a:lnRef idx="1">
+            <a:schemeClr val="accent1"/>
+          </a:lnRef>
+          <a:fillRef idx="0">
+            <a:schemeClr val="accent1"/>
+          </a:fillRef>
+          <a:effectRef idx="0">
+            <a:schemeClr val="accent1"/>
+          </a:effectRef>
+          <a:fontRef idx="minor">
+            <a:schemeClr val="tx1"/>
+          </a:fontRef>
+        </p:style>
+      </p:cxnSp>
     </p:spTree>
     <p:extLst>
       <p:ext uri="{BB962C8B-B14F-4D97-AF65-F5344CB8AC3E}">
